--- a/2018/24 HoP/PowerShell.pptx
+++ b/2018/24 HoP/PowerShell.pptx
@@ -5,10 +5,10 @@
     <p:sldMasterId id="2147483648" r:id="rId1"/>
   </p:sldMasterIdLst>
   <p:notesMasterIdLst>
-    <p:notesMasterId r:id="rId23"/>
+    <p:notesMasterId r:id="rId25"/>
   </p:notesMasterIdLst>
   <p:handoutMasterIdLst>
-    <p:handoutMasterId r:id="rId24"/>
+    <p:handoutMasterId r:id="rId26"/>
   </p:handoutMasterIdLst>
   <p:sldIdLst>
     <p:sldId id="343" r:id="rId2"/>
@@ -18,20 +18,22 @@
     <p:sldId id="310" r:id="rId6"/>
     <p:sldId id="346" r:id="rId7"/>
     <p:sldId id="327" r:id="rId8"/>
-    <p:sldId id="336" r:id="rId9"/>
-    <p:sldId id="335" r:id="rId10"/>
-    <p:sldId id="337" r:id="rId11"/>
-    <p:sldId id="324" r:id="rId12"/>
-    <p:sldId id="338" r:id="rId13"/>
-    <p:sldId id="339" r:id="rId14"/>
-    <p:sldId id="340" r:id="rId15"/>
-    <p:sldId id="341" r:id="rId16"/>
-    <p:sldId id="342" r:id="rId17"/>
-    <p:sldId id="280" r:id="rId18"/>
-    <p:sldId id="331" r:id="rId19"/>
-    <p:sldId id="348" r:id="rId20"/>
-    <p:sldId id="349" r:id="rId21"/>
-    <p:sldId id="334" r:id="rId22"/>
+    <p:sldId id="350" r:id="rId9"/>
+    <p:sldId id="351" r:id="rId10"/>
+    <p:sldId id="336" r:id="rId11"/>
+    <p:sldId id="335" r:id="rId12"/>
+    <p:sldId id="337" r:id="rId13"/>
+    <p:sldId id="324" r:id="rId14"/>
+    <p:sldId id="338" r:id="rId15"/>
+    <p:sldId id="339" r:id="rId16"/>
+    <p:sldId id="340" r:id="rId17"/>
+    <p:sldId id="341" r:id="rId18"/>
+    <p:sldId id="342" r:id="rId19"/>
+    <p:sldId id="280" r:id="rId20"/>
+    <p:sldId id="331" r:id="rId21"/>
+    <p:sldId id="348" r:id="rId22"/>
+    <p:sldId id="349" r:id="rId23"/>
+    <p:sldId id="334" r:id="rId24"/>
   </p:sldIdLst>
   <p:sldSz cx="9144000" cy="5143500" type="screen16x9"/>
   <p:notesSz cx="6858000" cy="9144000"/>
@@ -146,6 +148,8 @@
         <p14:section name="Presentation" id="{21D69F56-C44C-4FD6-8B9D-E5F14498DADC}">
           <p14:sldIdLst>
             <p14:sldId id="327"/>
+            <p14:sldId id="350"/>
+            <p14:sldId id="351"/>
             <p14:sldId id="336"/>
             <p14:sldId id="335"/>
             <p14:sldId id="337"/>
@@ -202,7 +206,7 @@
   <pc:docChgLst>
     <pc:chgData name="Rob Sewell" userId="c802df42025d5e1f" providerId="LiveId" clId="{0F4BF76D-F7F5-46E4-94E5-409F1B9EB435}"/>
     <pc:docChg chg="undo redo custSel addSld delSld modSld sldOrd modSection">
-      <pc:chgData name="Rob Sewell" userId="c802df42025d5e1f" providerId="LiveId" clId="{0F4BF76D-F7F5-46E4-94E5-409F1B9EB435}" dt="2018-06-12T10:02:04.457" v="1177" actId="2696"/>
+      <pc:chgData name="Rob Sewell" userId="c802df42025d5e1f" providerId="LiveId" clId="{0F4BF76D-F7F5-46E4-94E5-409F1B9EB435}" dt="2018-06-12T11:05:04.191" v="1288" actId="1076"/>
       <pc:docMkLst>
         <pc:docMk/>
       </pc:docMkLst>
@@ -645,7 +649,7 @@
         </pc:sldMkLst>
       </pc:sldChg>
       <pc:sldChg chg="delSp modSp ord modAnim">
-        <pc:chgData name="Rob Sewell" userId="c802df42025d5e1f" providerId="LiveId" clId="{0F4BF76D-F7F5-46E4-94E5-409F1B9EB435}" dt="2018-06-11T15:13:21.680" v="981"/>
+        <pc:chgData name="Rob Sewell" userId="c802df42025d5e1f" providerId="LiveId" clId="{0F4BF76D-F7F5-46E4-94E5-409F1B9EB435}" dt="2018-06-11T15:13:21.680" v="981" actId="2696"/>
         <pc:sldMkLst>
           <pc:docMk/>
           <pc:sldMk cId="3831141445" sldId="324"/>
@@ -675,7 +679,7 @@
           </ac:spMkLst>
         </pc:spChg>
         <pc:spChg chg="mod">
-          <ac:chgData name="Rob Sewell" userId="c802df42025d5e1f" providerId="LiveId" clId="{0F4BF76D-F7F5-46E4-94E5-409F1B9EB435}" dt="2018-06-11T13:17:08.561" v="778"/>
+          <ac:chgData name="Rob Sewell" userId="c802df42025d5e1f" providerId="LiveId" clId="{0F4BF76D-F7F5-46E4-94E5-409F1B9EB435}" dt="2018-06-11T13:17:08.561" v="778" actId="2696"/>
           <ac:spMkLst>
             <pc:docMk/>
             <pc:sldMk cId="3831141445" sldId="324"/>
@@ -722,7 +726,7 @@
         </pc:sldMkLst>
       </pc:sldChg>
       <pc:sldChg chg="addSp delSp modSp ord">
-        <pc:chgData name="Rob Sewell" userId="c802df42025d5e1f" providerId="LiveId" clId="{0F4BF76D-F7F5-46E4-94E5-409F1B9EB435}" dt="2018-06-11T12:47:51.710" v="542"/>
+        <pc:chgData name="Rob Sewell" userId="c802df42025d5e1f" providerId="LiveId" clId="{0F4BF76D-F7F5-46E4-94E5-409F1B9EB435}" dt="2018-06-11T12:47:51.710" v="542" actId="2696"/>
         <pc:sldMkLst>
           <pc:docMk/>
           <pc:sldMk cId="3360030024" sldId="327"/>
@@ -784,7 +788,7 @@
           </ac:spMkLst>
         </pc:spChg>
         <pc:spChg chg="add del">
-          <ac:chgData name="Rob Sewell" userId="c802df42025d5e1f" providerId="LiveId" clId="{0F4BF76D-F7F5-46E4-94E5-409F1B9EB435}" dt="2018-06-11T12:42:55.577" v="523"/>
+          <ac:chgData name="Rob Sewell" userId="c802df42025d5e1f" providerId="LiveId" clId="{0F4BF76D-F7F5-46E4-94E5-409F1B9EB435}" dt="2018-06-11T12:42:55.577" v="523" actId="2696"/>
           <ac:spMkLst>
             <pc:docMk/>
             <pc:sldMk cId="3360030024" sldId="327"/>
@@ -792,7 +796,7 @@
           </ac:spMkLst>
         </pc:spChg>
         <pc:spChg chg="add del mod">
-          <ac:chgData name="Rob Sewell" userId="c802df42025d5e1f" providerId="LiveId" clId="{0F4BF76D-F7F5-46E4-94E5-409F1B9EB435}" dt="2018-06-11T12:42:54.577" v="522"/>
+          <ac:chgData name="Rob Sewell" userId="c802df42025d5e1f" providerId="LiveId" clId="{0F4BF76D-F7F5-46E4-94E5-409F1B9EB435}" dt="2018-06-11T12:42:54.577" v="522" actId="2696"/>
           <ac:spMkLst>
             <pc:docMk/>
             <pc:sldMk cId="3360030024" sldId="327"/>
@@ -800,7 +804,7 @@
           </ac:spMkLst>
         </pc:spChg>
         <pc:picChg chg="add del mod">
-          <ac:chgData name="Rob Sewell" userId="c802df42025d5e1f" providerId="LiveId" clId="{0F4BF76D-F7F5-46E4-94E5-409F1B9EB435}" dt="2018-06-11T12:29:45.213" v="497"/>
+          <ac:chgData name="Rob Sewell" userId="c802df42025d5e1f" providerId="LiveId" clId="{0F4BF76D-F7F5-46E4-94E5-409F1B9EB435}" dt="2018-06-11T12:29:45.213" v="497" actId="2696"/>
           <ac:picMkLst>
             <pc:docMk/>
             <pc:sldMk cId="3360030024" sldId="327"/>
@@ -1171,21 +1175,21 @@
         </pc:picChg>
       </pc:sldChg>
       <pc:sldChg chg="add del">
-        <pc:chgData name="Rob Sewell" userId="c802df42025d5e1f" providerId="LiveId" clId="{0F4BF76D-F7F5-46E4-94E5-409F1B9EB435}" dt="2018-06-11T12:52:56.398" v="605"/>
+        <pc:chgData name="Rob Sewell" userId="c802df42025d5e1f" providerId="LiveId" clId="{0F4BF76D-F7F5-46E4-94E5-409F1B9EB435}" dt="2018-06-11T12:52:56.398" v="605" actId="2696"/>
         <pc:sldMkLst>
           <pc:docMk/>
           <pc:sldMk cId="2259493392" sldId="336"/>
         </pc:sldMkLst>
       </pc:sldChg>
       <pc:sldChg chg="add ord">
-        <pc:chgData name="Rob Sewell" userId="c802df42025d5e1f" providerId="LiveId" clId="{0F4BF76D-F7F5-46E4-94E5-409F1B9EB435}" dt="2018-06-11T12:53:08.238" v="607"/>
+        <pc:chgData name="Rob Sewell" userId="c802df42025d5e1f" providerId="LiveId" clId="{0F4BF76D-F7F5-46E4-94E5-409F1B9EB435}" dt="2018-06-11T12:53:08.238" v="607" actId="2696"/>
         <pc:sldMkLst>
           <pc:docMk/>
           <pc:sldMk cId="3920653847" sldId="336"/>
         </pc:sldMkLst>
       </pc:sldChg>
       <pc:sldChg chg="add del">
-        <pc:chgData name="Rob Sewell" userId="c802df42025d5e1f" providerId="LiveId" clId="{0F4BF76D-F7F5-46E4-94E5-409F1B9EB435}" dt="2018-06-11T12:52:55.844" v="604"/>
+        <pc:chgData name="Rob Sewell" userId="c802df42025d5e1f" providerId="LiveId" clId="{0F4BF76D-F7F5-46E4-94E5-409F1B9EB435}" dt="2018-06-11T12:52:55.844" v="604" actId="2696"/>
         <pc:sldMkLst>
           <pc:docMk/>
           <pc:sldMk cId="2983489191" sldId="337"/>
@@ -1495,46 +1499,316 @@
         </pc:spChg>
       </pc:sldChg>
       <pc:sldChg chg="add">
-        <pc:chgData name="Rob Sewell" userId="c802df42025d5e1f" providerId="LiveId" clId="{0F4BF76D-F7F5-46E4-94E5-409F1B9EB435}" dt="2018-06-12T09:58:08.452" v="990"/>
+        <pc:chgData name="Rob Sewell" userId="c802df42025d5e1f" providerId="LiveId" clId="{0F4BF76D-F7F5-46E4-94E5-409F1B9EB435}" dt="2018-06-12T09:58:08.452" v="990" actId="2696"/>
         <pc:sldMkLst>
           <pc:docMk/>
           <pc:sldMk cId="1747027472" sldId="344"/>
         </pc:sldMkLst>
       </pc:sldChg>
       <pc:sldChg chg="add">
-        <pc:chgData name="Rob Sewell" userId="c802df42025d5e1f" providerId="LiveId" clId="{0F4BF76D-F7F5-46E4-94E5-409F1B9EB435}" dt="2018-06-12T09:58:17.193" v="991"/>
+        <pc:chgData name="Rob Sewell" userId="c802df42025d5e1f" providerId="LiveId" clId="{0F4BF76D-F7F5-46E4-94E5-409F1B9EB435}" dt="2018-06-12T09:58:17.193" v="991" actId="2696"/>
         <pc:sldMkLst>
           <pc:docMk/>
           <pc:sldMk cId="3928396315" sldId="345"/>
         </pc:sldMkLst>
       </pc:sldChg>
       <pc:sldChg chg="add ord">
-        <pc:chgData name="Rob Sewell" userId="c802df42025d5e1f" providerId="LiveId" clId="{0F4BF76D-F7F5-46E4-94E5-409F1B9EB435}" dt="2018-06-12T10:00:33.626" v="1173"/>
+        <pc:chgData name="Rob Sewell" userId="c802df42025d5e1f" providerId="LiveId" clId="{0F4BF76D-F7F5-46E4-94E5-409F1B9EB435}" dt="2018-06-12T10:00:33.626" v="1173" actId="2696"/>
         <pc:sldMkLst>
           <pc:docMk/>
           <pc:sldMk cId="1169980516" sldId="346"/>
         </pc:sldMkLst>
       </pc:sldChg>
       <pc:sldChg chg="add">
-        <pc:chgData name="Rob Sewell" userId="c802df42025d5e1f" providerId="LiveId" clId="{0F4BF76D-F7F5-46E4-94E5-409F1B9EB435}" dt="2018-06-12T10:01:05.044" v="1174"/>
+        <pc:chgData name="Rob Sewell" userId="c802df42025d5e1f" providerId="LiveId" clId="{0F4BF76D-F7F5-46E4-94E5-409F1B9EB435}" dt="2018-06-12T10:01:05.044" v="1174" actId="2696"/>
         <pc:sldMkLst>
           <pc:docMk/>
           <pc:sldMk cId="3450237211" sldId="347"/>
         </pc:sldMkLst>
       </pc:sldChg>
       <pc:sldChg chg="add">
-        <pc:chgData name="Rob Sewell" userId="c802df42025d5e1f" providerId="LiveId" clId="{0F4BF76D-F7F5-46E4-94E5-409F1B9EB435}" dt="2018-06-12T10:01:40.731" v="1175"/>
+        <pc:chgData name="Rob Sewell" userId="c802df42025d5e1f" providerId="LiveId" clId="{0F4BF76D-F7F5-46E4-94E5-409F1B9EB435}" dt="2018-06-12T10:01:40.731" v="1175" actId="2696"/>
         <pc:sldMkLst>
           <pc:docMk/>
           <pc:sldMk cId="926044071" sldId="348"/>
         </pc:sldMkLst>
       </pc:sldChg>
       <pc:sldChg chg="add">
-        <pc:chgData name="Rob Sewell" userId="c802df42025d5e1f" providerId="LiveId" clId="{0F4BF76D-F7F5-46E4-94E5-409F1B9EB435}" dt="2018-06-12T10:01:59.075" v="1176"/>
+        <pc:chgData name="Rob Sewell" userId="c802df42025d5e1f" providerId="LiveId" clId="{0F4BF76D-F7F5-46E4-94E5-409F1B9EB435}" dt="2018-06-12T10:01:59.075" v="1176" actId="2696"/>
         <pc:sldMkLst>
           <pc:docMk/>
           <pc:sldMk cId="3750996289" sldId="349"/>
         </pc:sldMkLst>
+      </pc:sldChg>
+      <pc:sldChg chg="addSp delSp modSp add">
+        <pc:chgData name="Rob Sewell" userId="c802df42025d5e1f" providerId="LiveId" clId="{0F4BF76D-F7F5-46E4-94E5-409F1B9EB435}" dt="2018-06-12T11:02:15.215" v="1227" actId="14100"/>
+        <pc:sldMkLst>
+          <pc:docMk/>
+          <pc:sldMk cId="3104681316" sldId="350"/>
+        </pc:sldMkLst>
+        <pc:spChg chg="mod">
+          <ac:chgData name="Rob Sewell" userId="c802df42025d5e1f" providerId="LiveId" clId="{0F4BF76D-F7F5-46E4-94E5-409F1B9EB435}" dt="2018-06-12T10:53:44.369" v="1190" actId="20577"/>
+          <ac:spMkLst>
+            <pc:docMk/>
+            <pc:sldMk cId="3104681316" sldId="350"/>
+            <ac:spMk id="2" creationId="{00000000-0000-0000-0000-000000000000}"/>
+          </ac:spMkLst>
+        </pc:spChg>
+        <pc:spChg chg="del">
+          <ac:chgData name="Rob Sewell" userId="c802df42025d5e1f" providerId="LiveId" clId="{0F4BF76D-F7F5-46E4-94E5-409F1B9EB435}" dt="2018-06-12T10:53:47.944" v="1192" actId="478"/>
+          <ac:spMkLst>
+            <pc:docMk/>
+            <pc:sldMk cId="3104681316" sldId="350"/>
+            <ac:spMk id="3" creationId="{00000000-0000-0000-0000-000000000000}"/>
+          </ac:spMkLst>
+        </pc:spChg>
+        <pc:spChg chg="del">
+          <ac:chgData name="Rob Sewell" userId="c802df42025d5e1f" providerId="LiveId" clId="{0F4BF76D-F7F5-46E4-94E5-409F1B9EB435}" dt="2018-06-12T10:54:01.780" v="1201" actId="478"/>
+          <ac:spMkLst>
+            <pc:docMk/>
+            <pc:sldMk cId="3104681316" sldId="350"/>
+            <ac:spMk id="4" creationId="{00000000-0000-0000-0000-000000000000}"/>
+          </ac:spMkLst>
+        </pc:spChg>
+        <pc:spChg chg="del">
+          <ac:chgData name="Rob Sewell" userId="c802df42025d5e1f" providerId="LiveId" clId="{0F4BF76D-F7F5-46E4-94E5-409F1B9EB435}" dt="2018-06-12T10:54:14.868" v="1209" actId="478"/>
+          <ac:spMkLst>
+            <pc:docMk/>
+            <pc:sldMk cId="3104681316" sldId="350"/>
+            <ac:spMk id="5" creationId="{00000000-0000-0000-0000-000000000000}"/>
+          </ac:spMkLst>
+        </pc:spChg>
+        <pc:spChg chg="del mod">
+          <ac:chgData name="Rob Sewell" userId="c802df42025d5e1f" providerId="LiveId" clId="{0F4BF76D-F7F5-46E4-94E5-409F1B9EB435}" dt="2018-06-12T10:53:52.375" v="1196" actId="478"/>
+          <ac:spMkLst>
+            <pc:docMk/>
+            <pc:sldMk cId="3104681316" sldId="350"/>
+            <ac:spMk id="6" creationId="{00000000-0000-0000-0000-000000000000}"/>
+          </ac:spMkLst>
+        </pc:spChg>
+        <pc:spChg chg="del">
+          <ac:chgData name="Rob Sewell" userId="c802df42025d5e1f" providerId="LiveId" clId="{0F4BF76D-F7F5-46E4-94E5-409F1B9EB435}" dt="2018-06-12T10:54:09.573" v="1206" actId="478"/>
+          <ac:spMkLst>
+            <pc:docMk/>
+            <pc:sldMk cId="3104681316" sldId="350"/>
+            <ac:spMk id="7" creationId="{00000000-0000-0000-0000-000000000000}"/>
+          </ac:spMkLst>
+        </pc:spChg>
+        <pc:spChg chg="del">
+          <ac:chgData name="Rob Sewell" userId="c802df42025d5e1f" providerId="LiveId" clId="{0F4BF76D-F7F5-46E4-94E5-409F1B9EB435}" dt="2018-06-12T10:54:21.891" v="1213" actId="478"/>
+          <ac:spMkLst>
+            <pc:docMk/>
+            <pc:sldMk cId="3104681316" sldId="350"/>
+            <ac:spMk id="8" creationId="{00000000-0000-0000-0000-000000000000}"/>
+          </ac:spMkLst>
+        </pc:spChg>
+        <pc:spChg chg="add del mod">
+          <ac:chgData name="Rob Sewell" userId="c802df42025d5e1f" providerId="LiveId" clId="{0F4BF76D-F7F5-46E4-94E5-409F1B9EB435}" dt="2018-06-12T10:53:55.808" v="1198" actId="478"/>
+          <ac:spMkLst>
+            <pc:docMk/>
+            <pc:sldMk cId="3104681316" sldId="350"/>
+            <ac:spMk id="10" creationId="{59C07D30-6D0A-48A4-996D-C27FC1AAAB9D}"/>
+          </ac:spMkLst>
+        </pc:spChg>
+        <pc:spChg chg="add del mod">
+          <ac:chgData name="Rob Sewell" userId="c802df42025d5e1f" providerId="LiveId" clId="{0F4BF76D-F7F5-46E4-94E5-409F1B9EB435}" dt="2018-06-12T10:53:54.385" v="1197" actId="478"/>
+          <ac:spMkLst>
+            <pc:docMk/>
+            <pc:sldMk cId="3104681316" sldId="350"/>
+            <ac:spMk id="12" creationId="{F4F8A152-7183-47CC-9F98-F22B27F9C400}"/>
+          </ac:spMkLst>
+        </pc:spChg>
+        <pc:spChg chg="add del mod">
+          <ac:chgData name="Rob Sewell" userId="c802df42025d5e1f" providerId="LiveId" clId="{0F4BF76D-F7F5-46E4-94E5-409F1B9EB435}" dt="2018-06-12T10:54:05.313" v="1203" actId="478"/>
+          <ac:spMkLst>
+            <pc:docMk/>
+            <pc:sldMk cId="3104681316" sldId="350"/>
+            <ac:spMk id="14" creationId="{41524DBC-6FE9-4177-94AC-E3085F3ACDA9}"/>
+          </ac:spMkLst>
+        </pc:spChg>
+        <pc:spChg chg="del">
+          <ac:chgData name="Rob Sewell" userId="c802df42025d5e1f" providerId="LiveId" clId="{0F4BF76D-F7F5-46E4-94E5-409F1B9EB435}" dt="2018-06-12T10:53:57.409" v="1199" actId="478"/>
+          <ac:spMkLst>
+            <pc:docMk/>
+            <pc:sldMk cId="3104681316" sldId="350"/>
+            <ac:spMk id="15" creationId="{00000000-0000-0000-0000-000000000000}"/>
+          </ac:spMkLst>
+        </pc:spChg>
+        <pc:spChg chg="del">
+          <ac:chgData name="Rob Sewell" userId="c802df42025d5e1f" providerId="LiveId" clId="{0F4BF76D-F7F5-46E4-94E5-409F1B9EB435}" dt="2018-06-12T10:54:00.001" v="1200" actId="478"/>
+          <ac:spMkLst>
+            <pc:docMk/>
+            <pc:sldMk cId="3104681316" sldId="350"/>
+            <ac:spMk id="16" creationId="{00000000-0000-0000-0000-000000000000}"/>
+          </ac:spMkLst>
+        </pc:spChg>
+        <pc:spChg chg="del">
+          <ac:chgData name="Rob Sewell" userId="c802df42025d5e1f" providerId="LiveId" clId="{0F4BF76D-F7F5-46E4-94E5-409F1B9EB435}" dt="2018-06-12T10:54:13.184" v="1208" actId="478"/>
+          <ac:spMkLst>
+            <pc:docMk/>
+            <pc:sldMk cId="3104681316" sldId="350"/>
+            <ac:spMk id="17" creationId="{00000000-0000-0000-0000-000000000000}"/>
+          </ac:spMkLst>
+        </pc:spChg>
+        <pc:spChg chg="del">
+          <ac:chgData name="Rob Sewell" userId="c802df42025d5e1f" providerId="LiveId" clId="{0F4BF76D-F7F5-46E4-94E5-409F1B9EB435}" dt="2018-06-12T10:53:49.664" v="1194" actId="478"/>
+          <ac:spMkLst>
+            <pc:docMk/>
+            <pc:sldMk cId="3104681316" sldId="350"/>
+            <ac:spMk id="18" creationId="{00000000-0000-0000-0000-000000000000}"/>
+          </ac:spMkLst>
+        </pc:spChg>
+        <pc:spChg chg="del">
+          <ac:chgData name="Rob Sewell" userId="c802df42025d5e1f" providerId="LiveId" clId="{0F4BF76D-F7F5-46E4-94E5-409F1B9EB435}" dt="2018-06-12T10:54:07.888" v="1205" actId="478"/>
+          <ac:spMkLst>
+            <pc:docMk/>
+            <pc:sldMk cId="3104681316" sldId="350"/>
+            <ac:spMk id="19" creationId="{00000000-0000-0000-0000-000000000000}"/>
+          </ac:spMkLst>
+        </pc:spChg>
+        <pc:spChg chg="del">
+          <ac:chgData name="Rob Sewell" userId="c802df42025d5e1f" providerId="LiveId" clId="{0F4BF76D-F7F5-46E4-94E5-409F1B9EB435}" dt="2018-06-12T10:54:20.192" v="1212" actId="478"/>
+          <ac:spMkLst>
+            <pc:docMk/>
+            <pc:sldMk cId="3104681316" sldId="350"/>
+            <ac:spMk id="20" creationId="{00000000-0000-0000-0000-000000000000}"/>
+          </ac:spMkLst>
+        </pc:spChg>
+        <pc:spChg chg="add del mod">
+          <ac:chgData name="Rob Sewell" userId="c802df42025d5e1f" providerId="LiveId" clId="{0F4BF76D-F7F5-46E4-94E5-409F1B9EB435}" dt="2018-06-12T10:54:11.119" v="1207" actId="478"/>
+          <ac:spMkLst>
+            <pc:docMk/>
+            <pc:sldMk cId="3104681316" sldId="350"/>
+            <ac:spMk id="22" creationId="{573D3D1A-D035-40C6-A6D9-F1901CB061F0}"/>
+          </ac:spMkLst>
+        </pc:spChg>
+        <pc:spChg chg="add del mod">
+          <ac:chgData name="Rob Sewell" userId="c802df42025d5e1f" providerId="LiveId" clId="{0F4BF76D-F7F5-46E4-94E5-409F1B9EB435}" dt="2018-06-12T10:54:17.312" v="1210" actId="478"/>
+          <ac:spMkLst>
+            <pc:docMk/>
+            <pc:sldMk cId="3104681316" sldId="350"/>
+            <ac:spMk id="24" creationId="{BBF6F313-EB2D-4039-B3C9-9A551F553918}"/>
+          </ac:spMkLst>
+        </pc:spChg>
+        <pc:spChg chg="add del mod">
+          <ac:chgData name="Rob Sewell" userId="c802df42025d5e1f" providerId="LiveId" clId="{0F4BF76D-F7F5-46E4-94E5-409F1B9EB435}" dt="2018-06-12T10:54:23.985" v="1214" actId="478"/>
+          <ac:spMkLst>
+            <pc:docMk/>
+            <pc:sldMk cId="3104681316" sldId="350"/>
+            <ac:spMk id="26" creationId="{56580A00-68F7-4E53-BFC9-717870DC29FB}"/>
+          </ac:spMkLst>
+        </pc:spChg>
+        <pc:picChg chg="add mod">
+          <ac:chgData name="Rob Sewell" userId="c802df42025d5e1f" providerId="LiveId" clId="{0F4BF76D-F7F5-46E4-94E5-409F1B9EB435}" dt="2018-06-12T11:02:04.823" v="1223" actId="1076"/>
+          <ac:picMkLst>
+            <pc:docMk/>
+            <pc:sldMk cId="3104681316" sldId="350"/>
+            <ac:picMk id="27" creationId="{858ECF91-E2E5-4999-B329-4DB94D1FF6EA}"/>
+          </ac:picMkLst>
+        </pc:picChg>
+        <pc:picChg chg="add mod">
+          <ac:chgData name="Rob Sewell" userId="c802df42025d5e1f" providerId="LiveId" clId="{0F4BF76D-F7F5-46E4-94E5-409F1B9EB435}" dt="2018-06-12T11:02:15.215" v="1227" actId="14100"/>
+          <ac:picMkLst>
+            <pc:docMk/>
+            <pc:sldMk cId="3104681316" sldId="350"/>
+            <ac:picMk id="28" creationId="{85B48368-B690-4D78-B17C-29FA16D5C168}"/>
+          </ac:picMkLst>
+        </pc:picChg>
+        <pc:picChg chg="del">
+          <ac:chgData name="Rob Sewell" userId="c802df42025d5e1f" providerId="LiveId" clId="{0F4BF76D-F7F5-46E4-94E5-409F1B9EB435}" dt="2018-06-12T10:53:47.141" v="1191" actId="478"/>
+          <ac:picMkLst>
+            <pc:docMk/>
+            <pc:sldMk cId="3104681316" sldId="350"/>
+            <ac:picMk id="1026" creationId="{C4C77585-10FC-499C-A698-8B0E63408BF7}"/>
+          </ac:picMkLst>
+        </pc:picChg>
+        <pc:picChg chg="del">
+          <ac:chgData name="Rob Sewell" userId="c802df42025d5e1f" providerId="LiveId" clId="{0F4BF76D-F7F5-46E4-94E5-409F1B9EB435}" dt="2018-06-12T10:54:03.264" v="1202" actId="478"/>
+          <ac:picMkLst>
+            <pc:docMk/>
+            <pc:sldMk cId="3104681316" sldId="350"/>
+            <ac:picMk id="1028" creationId="{75C28576-5E7E-47A7-9913-F99F6850A476}"/>
+          </ac:picMkLst>
+        </pc:picChg>
+        <pc:picChg chg="del">
+          <ac:chgData name="Rob Sewell" userId="c802df42025d5e1f" providerId="LiveId" clId="{0F4BF76D-F7F5-46E4-94E5-409F1B9EB435}" dt="2018-06-12T10:54:18.416" v="1211" actId="478"/>
+          <ac:picMkLst>
+            <pc:docMk/>
+            <pc:sldMk cId="3104681316" sldId="350"/>
+            <ac:picMk id="1030" creationId="{0C2264E6-BDB2-4118-AEE4-2D95E476DD7D}"/>
+          </ac:picMkLst>
+        </pc:picChg>
+        <pc:picChg chg="del">
+          <ac:chgData name="Rob Sewell" userId="c802df42025d5e1f" providerId="LiveId" clId="{0F4BF76D-F7F5-46E4-94E5-409F1B9EB435}" dt="2018-06-12T10:53:48.735" v="1193" actId="478"/>
+          <ac:picMkLst>
+            <pc:docMk/>
+            <pc:sldMk cId="3104681316" sldId="350"/>
+            <ac:picMk id="1032" creationId="{CD4D999F-3D03-42CB-873A-09C69BB6F1C4}"/>
+          </ac:picMkLst>
+        </pc:picChg>
+        <pc:picChg chg="del">
+          <ac:chgData name="Rob Sewell" userId="c802df42025d5e1f" providerId="LiveId" clId="{0F4BF76D-F7F5-46E4-94E5-409F1B9EB435}" dt="2018-06-12T10:54:06.560" v="1204" actId="478"/>
+          <ac:picMkLst>
+            <pc:docMk/>
+            <pc:sldMk cId="3104681316" sldId="350"/>
+            <ac:picMk id="1038" creationId="{AF53ABA6-F972-4154-8F07-F74C40279B5C}"/>
+          </ac:picMkLst>
+        </pc:picChg>
+        <pc:picChg chg="del">
+          <ac:chgData name="Rob Sewell" userId="c802df42025d5e1f" providerId="LiveId" clId="{0F4BF76D-F7F5-46E4-94E5-409F1B9EB435}" dt="2018-06-12T10:54:25.600" v="1215" actId="478"/>
+          <ac:picMkLst>
+            <pc:docMk/>
+            <pc:sldMk cId="3104681316" sldId="350"/>
+            <ac:picMk id="1040" creationId="{835B9693-BF5D-4DC1-A0B3-CAD86721797C}"/>
+          </ac:picMkLst>
+        </pc:picChg>
+      </pc:sldChg>
+      <pc:sldChg chg="addSp delSp modSp add">
+        <pc:chgData name="Rob Sewell" userId="c802df42025d5e1f" providerId="LiveId" clId="{0F4BF76D-F7F5-46E4-94E5-409F1B9EB435}" dt="2018-06-12T11:05:04.191" v="1288" actId="1076"/>
+        <pc:sldMkLst>
+          <pc:docMk/>
+          <pc:sldMk cId="1538529746" sldId="351"/>
+        </pc:sldMkLst>
+        <pc:spChg chg="mod">
+          <ac:chgData name="Rob Sewell" userId="c802df42025d5e1f" providerId="LiveId" clId="{0F4BF76D-F7F5-46E4-94E5-409F1B9EB435}" dt="2018-06-12T11:03:16.642" v="1274" actId="20577"/>
+          <ac:spMkLst>
+            <pc:docMk/>
+            <pc:sldMk cId="1538529746" sldId="351"/>
+            <ac:spMk id="2" creationId="{00000000-0000-0000-0000-000000000000}"/>
+          </ac:spMkLst>
+        </pc:spChg>
+        <pc:spChg chg="add mod">
+          <ac:chgData name="Rob Sewell" userId="c802df42025d5e1f" providerId="LiveId" clId="{0F4BF76D-F7F5-46E4-94E5-409F1B9EB435}" dt="2018-06-12T11:03:43.992" v="1285" actId="1076"/>
+          <ac:spMkLst>
+            <pc:docMk/>
+            <pc:sldMk cId="1538529746" sldId="351"/>
+            <ac:spMk id="3" creationId="{60A8741B-BD92-4EBC-9A4B-02C929FB01EE}"/>
+          </ac:spMkLst>
+        </pc:spChg>
+        <pc:picChg chg="add mod">
+          <ac:chgData name="Rob Sewell" userId="c802df42025d5e1f" providerId="LiveId" clId="{0F4BF76D-F7F5-46E4-94E5-409F1B9EB435}" dt="2018-06-12T11:05:04.191" v="1288" actId="1076"/>
+          <ac:picMkLst>
+            <pc:docMk/>
+            <pc:sldMk cId="1538529746" sldId="351"/>
+            <ac:picMk id="4" creationId="{E5A5E44C-7730-41AF-9767-09B6E06AF580}"/>
+          </ac:picMkLst>
+        </pc:picChg>
+        <pc:picChg chg="del">
+          <ac:chgData name="Rob Sewell" userId="c802df42025d5e1f" providerId="LiveId" clId="{0F4BF76D-F7F5-46E4-94E5-409F1B9EB435}" dt="2018-06-12T11:03:02.624" v="1230" actId="478"/>
+          <ac:picMkLst>
+            <pc:docMk/>
+            <pc:sldMk cId="1538529746" sldId="351"/>
+            <ac:picMk id="27" creationId="{858ECF91-E2E5-4999-B329-4DB94D1FF6EA}"/>
+          </ac:picMkLst>
+        </pc:picChg>
+        <pc:picChg chg="del">
+          <ac:chgData name="Rob Sewell" userId="c802df42025d5e1f" providerId="LiveId" clId="{0F4BF76D-F7F5-46E4-94E5-409F1B9EB435}" dt="2018-06-12T11:03:02.016" v="1229" actId="478"/>
+          <ac:picMkLst>
+            <pc:docMk/>
+            <pc:sldMk cId="1538529746" sldId="351"/>
+            <ac:picMk id="28" creationId="{85B48368-B690-4D78-B17C-29FA16D5C168}"/>
+          </ac:picMkLst>
+        </pc:picChg>
       </pc:sldChg>
       <pc:sldMasterChg chg="delSldLayout">
         <pc:chgData name="Rob Sewell" userId="c802df42025d5e1f" providerId="LiveId" clId="{0F4BF76D-F7F5-46E4-94E5-409F1B9EB435}" dt="2018-06-12T09:57:59.722" v="989" actId="2696"/>
@@ -3850,7 +4124,7 @@
           <a:p>
             <a:fld id="{DDD65AC4-17B0-4E19-8496-B264E70A18D3}" type="slidenum">
               <a:rPr lang="en-US" smtClean="0"/>
-              <a:t>18</a:t>
+              <a:t>20</a:t>
             </a:fld>
             <a:endParaRPr lang="en-US"/>
           </a:p>
@@ -4055,7 +4329,7 @@
           <a:p>
             <a:fld id="{DDD65AC4-17B0-4E19-8496-B264E70A18D3}" type="slidenum">
               <a:rPr lang="en-US" smtClean="0"/>
-              <a:t>19</a:t>
+              <a:t>21</a:t>
             </a:fld>
             <a:endParaRPr lang="en-US"/>
           </a:p>
@@ -4255,7 +4529,7 @@
           <a:p>
             <a:fld id="{DDD65AC4-17B0-4E19-8496-B264E70A18D3}" type="slidenum">
               <a:rPr lang="en-US" smtClean="0"/>
-              <a:t>20</a:t>
+              <a:t>22</a:t>
             </a:fld>
             <a:endParaRPr lang="en-US"/>
           </a:p>
@@ -24384,6 +24658,198 @@
           <a:chExt cx="0" cy="0"/>
         </a:xfrm>
       </p:grpSpPr>
+      <p:pic>
+        <p:nvPicPr>
+          <p:cNvPr id="4" name="Content Placeholder 3">
+            <a:extLst>
+              <a:ext uri="{FF2B5EF4-FFF2-40B4-BE49-F238E27FC236}">
+                <a16:creationId xmlns:a16="http://schemas.microsoft.com/office/drawing/2014/main" id="{5E2C3B21-1D17-410D-A23E-C278EC4D6349}"/>
+              </a:ext>
+            </a:extLst>
+          </p:cNvPr>
+          <p:cNvPicPr>
+            <a:picLocks noGrp="1" noChangeAspect="1"/>
+          </p:cNvPicPr>
+          <p:nvPr>
+            <p:ph sz="quarter" idx="10"/>
+          </p:nvPr>
+        </p:nvPicPr>
+        <p:blipFill>
+          <a:blip r:embed="rId2"/>
+          <a:stretch>
+            <a:fillRect/>
+          </a:stretch>
+        </p:blipFill>
+        <p:spPr>
+          <a:xfrm>
+            <a:off x="1480456" y="479493"/>
+            <a:ext cx="6081360" cy="3734699"/>
+          </a:xfrm>
+          <a:prstGeom prst="rect">
+            <a:avLst/>
+          </a:prstGeom>
+        </p:spPr>
+      </p:pic>
+      <p:sp>
+        <p:nvSpPr>
+          <p:cNvPr id="5" name="TextBox 4">
+            <a:extLst>
+              <a:ext uri="{FF2B5EF4-FFF2-40B4-BE49-F238E27FC236}">
+                <a16:creationId xmlns:a16="http://schemas.microsoft.com/office/drawing/2014/main" id="{6BB8A1A6-BDFA-43B3-975A-11049EBA906D}"/>
+              </a:ext>
+            </a:extLst>
+          </p:cNvPr>
+          <p:cNvSpPr txBox="1"/>
+          <p:nvPr/>
+        </p:nvSpPr>
+        <p:spPr>
+          <a:xfrm>
+            <a:off x="3309105" y="4629716"/>
+            <a:ext cx="2424062" cy="369332"/>
+          </a:xfrm>
+          <a:prstGeom prst="rect">
+            <a:avLst/>
+          </a:prstGeom>
+          <a:noFill/>
+        </p:spPr>
+        <p:txBody>
+          <a:bodyPr wrap="none" rtlCol="0">
+            <a:spAutoFit/>
+          </a:bodyPr>
+          <a:lstStyle/>
+          <a:p>
+            <a:r>
+              <a:rPr lang="en-GB" dirty="0">
+                <a:solidFill>
+                  <a:schemeClr val="bg2"/>
+                </a:solidFill>
+              </a:rPr>
+              <a:t>code.visualstudio.com</a:t>
+            </a:r>
+          </a:p>
+        </p:txBody>
+      </p:sp>
+    </p:spTree>
+    <p:extLst>
+      <p:ext uri="{BB962C8B-B14F-4D97-AF65-F5344CB8AC3E}">
+        <p14:creationId xmlns:p14="http://schemas.microsoft.com/office/powerpoint/2010/main" val="3920653847"/>
+      </p:ext>
+    </p:extLst>
+  </p:cSld>
+  <p:clrMapOvr>
+    <a:masterClrMapping/>
+  </p:clrMapOvr>
+</p:sld>
+</file>
+
+<file path=ppt/slides/slide11.xml><?xml version="1.0" encoding="utf-8"?>
+<p:sld xmlns:a="http://schemas.openxmlformats.org/drawingml/2006/main" xmlns:r="http://schemas.openxmlformats.org/officeDocument/2006/relationships" xmlns:p="http://schemas.openxmlformats.org/presentationml/2006/main">
+  <p:cSld>
+    <p:spTree>
+      <p:nvGrpSpPr>
+        <p:cNvPr id="1" name=""/>
+        <p:cNvGrpSpPr/>
+        <p:nvPr/>
+      </p:nvGrpSpPr>
+      <p:grpSpPr>
+        <a:xfrm>
+          <a:off x="0" y="0"/>
+          <a:ext cx="0" cy="0"/>
+          <a:chOff x="0" y="0"/>
+          <a:chExt cx="0" cy="0"/>
+        </a:xfrm>
+      </p:grpSpPr>
+      <p:pic>
+        <p:nvPicPr>
+          <p:cNvPr id="4" name="Content Placeholder 3">
+            <a:extLst>
+              <a:ext uri="{FF2B5EF4-FFF2-40B4-BE49-F238E27FC236}">
+                <a16:creationId xmlns:a16="http://schemas.microsoft.com/office/drawing/2014/main" id="{F3EBE0CD-9254-4D40-AB42-CBD7F5208129}"/>
+              </a:ext>
+            </a:extLst>
+          </p:cNvPr>
+          <p:cNvPicPr>
+            <a:picLocks noGrp="1" noChangeAspect="1"/>
+          </p:cNvPicPr>
+          <p:nvPr>
+            <p:ph sz="quarter" idx="10"/>
+          </p:nvPr>
+        </p:nvPicPr>
+        <p:blipFill>
+          <a:blip r:embed="rId2"/>
+          <a:stretch>
+            <a:fillRect/>
+          </a:stretch>
+        </p:blipFill>
+        <p:spPr>
+          <a:xfrm>
+            <a:off x="886003" y="864183"/>
+            <a:ext cx="7619199" cy="3529710"/>
+          </a:xfrm>
+          <a:prstGeom prst="rect">
+            <a:avLst/>
+          </a:prstGeom>
+        </p:spPr>
+      </p:pic>
+      <p:sp>
+        <p:nvSpPr>
+          <p:cNvPr id="3" name="Title 2">
+            <a:extLst>
+              <a:ext uri="{FF2B5EF4-FFF2-40B4-BE49-F238E27FC236}">
+                <a16:creationId xmlns:a16="http://schemas.microsoft.com/office/drawing/2014/main" id="{53E16ADB-5B3B-4086-A261-D6274ABB7FBA}"/>
+              </a:ext>
+            </a:extLst>
+          </p:cNvPr>
+          <p:cNvSpPr>
+            <a:spLocks noGrp="1"/>
+          </p:cNvSpPr>
+          <p:nvPr>
+            <p:ph type="title"/>
+          </p:nvPr>
+        </p:nvSpPr>
+        <p:spPr/>
+        <p:txBody>
+          <a:bodyPr/>
+          <a:lstStyle/>
+          <a:p>
+            <a:pPr algn="ctr"/>
+            <a:r>
+              <a:rPr lang="en-CA" dirty="0"/>
+              <a:t>Multi-Platform</a:t>
+            </a:r>
+          </a:p>
+        </p:txBody>
+      </p:sp>
+    </p:spTree>
+    <p:extLst>
+      <p:ext uri="{BB962C8B-B14F-4D97-AF65-F5344CB8AC3E}">
+        <p14:creationId xmlns:p14="http://schemas.microsoft.com/office/powerpoint/2010/main" val="2463184557"/>
+      </p:ext>
+    </p:extLst>
+  </p:cSld>
+  <p:clrMapOvr>
+    <a:masterClrMapping/>
+  </p:clrMapOvr>
+</p:sld>
+</file>
+
+<file path=ppt/slides/slide12.xml><?xml version="1.0" encoding="utf-8"?>
+<p:sld xmlns:a="http://schemas.openxmlformats.org/drawingml/2006/main" xmlns:r="http://schemas.openxmlformats.org/officeDocument/2006/relationships" xmlns:p="http://schemas.openxmlformats.org/presentationml/2006/main">
+  <p:cSld>
+    <p:spTree>
+      <p:nvGrpSpPr>
+        <p:cNvPr id="1" name=""/>
+        <p:cNvGrpSpPr/>
+        <p:nvPr/>
+      </p:nvGrpSpPr>
+      <p:grpSpPr>
+        <a:xfrm>
+          <a:off x="0" y="0"/>
+          <a:ext cx="0" cy="0"/>
+          <a:chOff x="0" y="0"/>
+          <a:chExt cx="0" cy="0"/>
+        </a:xfrm>
+      </p:grpSpPr>
       <p:sp>
         <p:nvSpPr>
           <p:cNvPr id="3" name="Title 2">
@@ -24458,7 +24924,7 @@
 </p:sld>
 </file>
 
-<file path=ppt/slides/slide11.xml><?xml version="1.0" encoding="utf-8"?>
+<file path=ppt/slides/slide13.xml><?xml version="1.0" encoding="utf-8"?>
 <p:sld xmlns:a="http://schemas.openxmlformats.org/drawingml/2006/main" xmlns:r="http://schemas.openxmlformats.org/officeDocument/2006/relationships" xmlns:p="http://schemas.openxmlformats.org/presentationml/2006/main">
   <p:cSld>
     <p:spTree>
@@ -28195,7 +28661,7 @@
 </p:sld>
 </file>
 
-<file path=ppt/slides/slide12.xml><?xml version="1.0" encoding="utf-8"?>
+<file path=ppt/slides/slide14.xml><?xml version="1.0" encoding="utf-8"?>
 <p:sld xmlns:a="http://schemas.openxmlformats.org/drawingml/2006/main" xmlns:r="http://schemas.openxmlformats.org/officeDocument/2006/relationships" xmlns:p="http://schemas.openxmlformats.org/presentationml/2006/main">
   <p:cSld>
     <p:spTree>
@@ -28307,7 +28773,7 @@
 </p:sld>
 </file>
 
-<file path=ppt/slides/slide13.xml><?xml version="1.0" encoding="utf-8"?>
+<file path=ppt/slides/slide15.xml><?xml version="1.0" encoding="utf-8"?>
 <p:sld xmlns:a="http://schemas.openxmlformats.org/drawingml/2006/main" xmlns:r="http://schemas.openxmlformats.org/officeDocument/2006/relationships" xmlns:p="http://schemas.openxmlformats.org/presentationml/2006/main">
   <p:cSld>
     <p:spTree>
@@ -28396,7 +28862,7 @@
 </p:sld>
 </file>
 
-<file path=ppt/slides/slide14.xml><?xml version="1.0" encoding="utf-8"?>
+<file path=ppt/slides/slide16.xml><?xml version="1.0" encoding="utf-8"?>
 <p:sld xmlns:a="http://schemas.openxmlformats.org/drawingml/2006/main" xmlns:r="http://schemas.openxmlformats.org/officeDocument/2006/relationships" xmlns:p="http://schemas.openxmlformats.org/presentationml/2006/main">
   <p:cSld>
     <p:spTree>
@@ -28485,7 +28951,7 @@
 </p:sld>
 </file>
 
-<file path=ppt/slides/slide15.xml><?xml version="1.0" encoding="utf-8"?>
+<file path=ppt/slides/slide17.xml><?xml version="1.0" encoding="utf-8"?>
 <p:sld xmlns:a="http://schemas.openxmlformats.org/drawingml/2006/main" xmlns:r="http://schemas.openxmlformats.org/officeDocument/2006/relationships" xmlns:p="http://schemas.openxmlformats.org/presentationml/2006/main">
   <p:cSld>
     <p:spTree>
@@ -28642,7 +29108,7 @@
 </p:sld>
 </file>
 
-<file path=ppt/slides/slide16.xml><?xml version="1.0" encoding="utf-8"?>
+<file path=ppt/slides/slide18.xml><?xml version="1.0" encoding="utf-8"?>
 <p:sld xmlns:a="http://schemas.openxmlformats.org/drawingml/2006/main" xmlns:r="http://schemas.openxmlformats.org/officeDocument/2006/relationships" xmlns:p="http://schemas.openxmlformats.org/presentationml/2006/main">
   <p:cSld>
     <p:spTree>
@@ -28770,7 +29236,7 @@
 </p:sld>
 </file>
 
-<file path=ppt/slides/slide17.xml><?xml version="1.0" encoding="utf-8"?>
+<file path=ppt/slides/slide19.xml><?xml version="1.0" encoding="utf-8"?>
 <p:sld xmlns:a="http://schemas.openxmlformats.org/drawingml/2006/main" xmlns:r="http://schemas.openxmlformats.org/officeDocument/2006/relationships" xmlns:p="http://schemas.openxmlformats.org/presentationml/2006/main">
   <p:cSld>
     <p:spTree>
@@ -28939,7 +29405,37 @@
 </p:sld>
 </file>
 
-<file path=ppt/slides/slide18.xml><?xml version="1.0" encoding="utf-8"?>
+<file path=ppt/slides/slide2.xml><?xml version="1.0" encoding="utf-8"?>
+<p:sld xmlns:a="http://schemas.openxmlformats.org/drawingml/2006/main" xmlns:r="http://schemas.openxmlformats.org/officeDocument/2006/relationships" xmlns:p="http://schemas.openxmlformats.org/presentationml/2006/main">
+  <p:cSld>
+    <p:spTree>
+      <p:nvGrpSpPr>
+        <p:cNvPr id="1" name=""/>
+        <p:cNvGrpSpPr/>
+        <p:nvPr/>
+      </p:nvGrpSpPr>
+      <p:grpSpPr>
+        <a:xfrm>
+          <a:off x="0" y="0"/>
+          <a:ext cx="0" cy="0"/>
+          <a:chOff x="0" y="0"/>
+          <a:chExt cx="0" cy="0"/>
+        </a:xfrm>
+      </p:grpSpPr>
+    </p:spTree>
+    <p:extLst>
+      <p:ext uri="{BB962C8B-B14F-4D97-AF65-F5344CB8AC3E}">
+        <p14:creationId xmlns:p14="http://schemas.microsoft.com/office/powerpoint/2010/main" val="1747027472"/>
+      </p:ext>
+    </p:extLst>
+  </p:cSld>
+  <p:clrMapOvr>
+    <a:masterClrMapping/>
+  </p:clrMapOvr>
+</p:sld>
+</file>
+
+<file path=ppt/slides/slide20.xml><?xml version="1.0" encoding="utf-8"?>
 <p:sld xmlns:a="http://schemas.openxmlformats.org/drawingml/2006/main" xmlns:r="http://schemas.openxmlformats.org/officeDocument/2006/relationships" xmlns:p="http://schemas.openxmlformats.org/presentationml/2006/main">
   <p:cSld>
     <p:spTree>
@@ -29649,7 +30145,7 @@
 </p:sld>
 </file>
 
-<file path=ppt/slides/slide19.xml><?xml version="1.0" encoding="utf-8"?>
+<file path=ppt/slides/slide21.xml><?xml version="1.0" encoding="utf-8"?>
 <p:sld xmlns:a="http://schemas.openxmlformats.org/drawingml/2006/main" xmlns:r="http://schemas.openxmlformats.org/officeDocument/2006/relationships" xmlns:p="http://schemas.openxmlformats.org/presentationml/2006/main">
   <p:cSld>
     <p:spTree>
@@ -29745,37 +30241,7 @@
 </p:sld>
 </file>
 
-<file path=ppt/slides/slide2.xml><?xml version="1.0" encoding="utf-8"?>
-<p:sld xmlns:a="http://schemas.openxmlformats.org/drawingml/2006/main" xmlns:r="http://schemas.openxmlformats.org/officeDocument/2006/relationships" xmlns:p="http://schemas.openxmlformats.org/presentationml/2006/main">
-  <p:cSld>
-    <p:spTree>
-      <p:nvGrpSpPr>
-        <p:cNvPr id="1" name=""/>
-        <p:cNvGrpSpPr/>
-        <p:nvPr/>
-      </p:nvGrpSpPr>
-      <p:grpSpPr>
-        <a:xfrm>
-          <a:off x="0" y="0"/>
-          <a:ext cx="0" cy="0"/>
-          <a:chOff x="0" y="0"/>
-          <a:chExt cx="0" cy="0"/>
-        </a:xfrm>
-      </p:grpSpPr>
-    </p:spTree>
-    <p:extLst>
-      <p:ext uri="{BB962C8B-B14F-4D97-AF65-F5344CB8AC3E}">
-        <p14:creationId xmlns:p14="http://schemas.microsoft.com/office/powerpoint/2010/main" val="1747027472"/>
-      </p:ext>
-    </p:extLst>
-  </p:cSld>
-  <p:clrMapOvr>
-    <a:masterClrMapping/>
-  </p:clrMapOvr>
-</p:sld>
-</file>
-
-<file path=ppt/slides/slide20.xml><?xml version="1.0" encoding="utf-8"?>
+<file path=ppt/slides/slide22.xml><?xml version="1.0" encoding="utf-8"?>
 <p:sld xmlns:a="http://schemas.openxmlformats.org/drawingml/2006/main" xmlns:r="http://schemas.openxmlformats.org/officeDocument/2006/relationships" xmlns:p="http://schemas.openxmlformats.org/presentationml/2006/main">
   <p:cSld>
     <p:spTree>
@@ -29928,7 +30394,7 @@
 </p:sld>
 </file>
 
-<file path=ppt/slides/slide21.xml><?xml version="1.0" encoding="utf-8"?>
+<file path=ppt/slides/slide23.xml><?xml version="1.0" encoding="utf-8"?>
 <p:sld xmlns:a="http://schemas.openxmlformats.org/drawingml/2006/main" xmlns:r="http://schemas.openxmlformats.org/officeDocument/2006/relationships" xmlns:p="http://schemas.openxmlformats.org/presentationml/2006/main">
   <p:cSld>
     <p:spTree>
@@ -33904,21 +34370,41 @@
           <a:chExt cx="0" cy="0"/>
         </a:xfrm>
       </p:grpSpPr>
+      <p:sp>
+        <p:nvSpPr>
+          <p:cNvPr id="2" name="Title 1"/>
+          <p:cNvSpPr>
+            <a:spLocks noGrp="1"/>
+          </p:cNvSpPr>
+          <p:nvPr>
+            <p:ph type="title"/>
+          </p:nvPr>
+        </p:nvSpPr>
+        <p:spPr/>
+        <p:txBody>
+          <a:bodyPr/>
+          <a:lstStyle/>
+          <a:p>
+            <a:r>
+              <a:rPr lang="en-US" dirty="0"/>
+              <a:t>Why Not ISE?</a:t>
+            </a:r>
+          </a:p>
+        </p:txBody>
+      </p:sp>
       <p:pic>
         <p:nvPicPr>
-          <p:cNvPr id="4" name="Content Placeholder 3">
+          <p:cNvPr id="27" name="Picture 26">
             <a:extLst>
               <a:ext uri="{FF2B5EF4-FFF2-40B4-BE49-F238E27FC236}">
-                <a16:creationId xmlns:a16="http://schemas.microsoft.com/office/drawing/2014/main" id="{5E2C3B21-1D17-410D-A23E-C278EC4D6349}"/>
+                <a16:creationId xmlns:a16="http://schemas.microsoft.com/office/drawing/2014/main" id="{858ECF91-E2E5-4999-B329-4DB94D1FF6EA}"/>
               </a:ext>
             </a:extLst>
           </p:cNvPr>
           <p:cNvPicPr>
-            <a:picLocks noGrp="1" noChangeAspect="1"/>
+            <a:picLocks noChangeAspect="1"/>
           </p:cNvPicPr>
-          <p:nvPr>
-            <p:ph sz="quarter" idx="10"/>
-          </p:nvPr>
+          <p:nvPr/>
         </p:nvPicPr>
         <p:blipFill>
           <a:blip r:embed="rId2"/>
@@ -33928,57 +34414,48 @@
         </p:blipFill>
         <p:spPr>
           <a:xfrm>
-            <a:off x="1480456" y="479493"/>
-            <a:ext cx="6081360" cy="3734699"/>
+            <a:off x="1416919" y="864183"/>
+            <a:ext cx="6290283" cy="2005956"/>
           </a:xfrm>
           <a:prstGeom prst="rect">
             <a:avLst/>
           </a:prstGeom>
         </p:spPr>
       </p:pic>
-      <p:sp>
-        <p:nvSpPr>
-          <p:cNvPr id="5" name="TextBox 4">
+      <p:pic>
+        <p:nvPicPr>
+          <p:cNvPr id="28" name="Picture 27">
             <a:extLst>
               <a:ext uri="{FF2B5EF4-FFF2-40B4-BE49-F238E27FC236}">
-                <a16:creationId xmlns:a16="http://schemas.microsoft.com/office/drawing/2014/main" id="{6BB8A1A6-BDFA-43B3-975A-11049EBA906D}"/>
+                <a16:creationId xmlns:a16="http://schemas.microsoft.com/office/drawing/2014/main" id="{85B48368-B690-4D78-B17C-29FA16D5C168}"/>
               </a:ext>
             </a:extLst>
           </p:cNvPr>
-          <p:cNvSpPr txBox="1"/>
+          <p:cNvPicPr>
+            <a:picLocks noChangeAspect="1"/>
+          </p:cNvPicPr>
           <p:nvPr/>
-        </p:nvSpPr>
+        </p:nvPicPr>
+        <p:blipFill>
+          <a:blip r:embed="rId3"/>
+          <a:stretch>
+            <a:fillRect/>
+          </a:stretch>
+        </p:blipFill>
         <p:spPr>
           <a:xfrm>
-            <a:off x="3309105" y="4629716"/>
-            <a:ext cx="2424062" cy="369332"/>
+            <a:off x="1416919" y="3247267"/>
+            <a:ext cx="6290283" cy="1220098"/>
           </a:xfrm>
           <a:prstGeom prst="rect">
             <a:avLst/>
           </a:prstGeom>
-          <a:noFill/>
         </p:spPr>
-        <p:txBody>
-          <a:bodyPr wrap="none" rtlCol="0">
-            <a:spAutoFit/>
-          </a:bodyPr>
-          <a:lstStyle/>
-          <a:p>
-            <a:r>
-              <a:rPr lang="en-GB" dirty="0">
-                <a:solidFill>
-                  <a:schemeClr val="bg2"/>
-                </a:solidFill>
-              </a:rPr>
-              <a:t>code.visualstudio.com</a:t>
-            </a:r>
-          </a:p>
-        </p:txBody>
-      </p:sp>
+      </p:pic>
     </p:spTree>
     <p:extLst>
       <p:ext uri="{BB962C8B-B14F-4D97-AF65-F5344CB8AC3E}">
-        <p14:creationId xmlns:p14="http://schemas.microsoft.com/office/powerpoint/2010/main" val="3920653847"/>
+        <p14:creationId xmlns:p14="http://schemas.microsoft.com/office/powerpoint/2010/main" val="3104681316"/>
       </p:ext>
     </p:extLst>
   </p:cSld>
@@ -34005,47 +34482,9 @@
           <a:chExt cx="0" cy="0"/>
         </a:xfrm>
       </p:grpSpPr>
-      <p:pic>
-        <p:nvPicPr>
-          <p:cNvPr id="4" name="Content Placeholder 3">
-            <a:extLst>
-              <a:ext uri="{FF2B5EF4-FFF2-40B4-BE49-F238E27FC236}">
-                <a16:creationId xmlns:a16="http://schemas.microsoft.com/office/drawing/2014/main" id="{F3EBE0CD-9254-4D40-AB42-CBD7F5208129}"/>
-              </a:ext>
-            </a:extLst>
-          </p:cNvPr>
-          <p:cNvPicPr>
-            <a:picLocks noGrp="1" noChangeAspect="1"/>
-          </p:cNvPicPr>
-          <p:nvPr>
-            <p:ph sz="quarter" idx="10"/>
-          </p:nvPr>
-        </p:nvPicPr>
-        <p:blipFill>
-          <a:blip r:embed="rId2"/>
-          <a:stretch>
-            <a:fillRect/>
-          </a:stretch>
-        </p:blipFill>
-        <p:spPr>
-          <a:xfrm>
-            <a:off x="886003" y="864183"/>
-            <a:ext cx="7619199" cy="3529710"/>
-          </a:xfrm>
-          <a:prstGeom prst="rect">
-            <a:avLst/>
-          </a:prstGeom>
-        </p:spPr>
-      </p:pic>
       <p:sp>
         <p:nvSpPr>
-          <p:cNvPr id="3" name="Title 2">
-            <a:extLst>
-              <a:ext uri="{FF2B5EF4-FFF2-40B4-BE49-F238E27FC236}">
-                <a16:creationId xmlns:a16="http://schemas.microsoft.com/office/drawing/2014/main" id="{53E16ADB-5B3B-4086-A261-D6274ABB7FBA}"/>
-              </a:ext>
-            </a:extLst>
-          </p:cNvPr>
+          <p:cNvPr id="2" name="Title 1"/>
           <p:cNvSpPr>
             <a:spLocks noGrp="1"/>
           </p:cNvSpPr>
@@ -34058,18 +34497,81 @@
           <a:bodyPr/>
           <a:lstStyle/>
           <a:p>
-            <a:pPr algn="ctr"/>
-            <a:r>
-              <a:rPr lang="en-CA" dirty="0"/>
-              <a:t>Multi-Platform</a:t>
+            <a:r>
+              <a:rPr lang="en-US" dirty="0"/>
+              <a:t>PowerShell Editor Services</a:t>
             </a:r>
           </a:p>
         </p:txBody>
       </p:sp>
+      <p:sp>
+        <p:nvSpPr>
+          <p:cNvPr id="3" name="Rectangle 2">
+            <a:extLst>
+              <a:ext uri="{FF2B5EF4-FFF2-40B4-BE49-F238E27FC236}">
+                <a16:creationId xmlns:a16="http://schemas.microsoft.com/office/drawing/2014/main" id="{60A8741B-BD92-4EBC-9A4B-02C929FB01EE}"/>
+              </a:ext>
+            </a:extLst>
+          </p:cNvPr>
+          <p:cNvSpPr/>
+          <p:nvPr/>
+        </p:nvSpPr>
+        <p:spPr>
+          <a:xfrm>
+            <a:off x="2038190" y="4315590"/>
+            <a:ext cx="5067620" cy="369332"/>
+          </a:xfrm>
+          <a:prstGeom prst="rect">
+            <a:avLst/>
+          </a:prstGeom>
+        </p:spPr>
+        <p:txBody>
+          <a:bodyPr wrap="square">
+            <a:spAutoFit/>
+          </a:bodyPr>
+          <a:lstStyle/>
+          <a:p>
+            <a:r>
+              <a:rPr lang="en-GB" dirty="0"/>
+              <a:t>powershell.github.io/PowerShellEditorServices/</a:t>
+            </a:r>
+          </a:p>
+        </p:txBody>
+      </p:sp>
+      <p:pic>
+        <p:nvPicPr>
+          <p:cNvPr id="4" name="Picture 3">
+            <a:extLst>
+              <a:ext uri="{FF2B5EF4-FFF2-40B4-BE49-F238E27FC236}">
+                <a16:creationId xmlns:a16="http://schemas.microsoft.com/office/drawing/2014/main" id="{E5A5E44C-7730-41AF-9767-09B6E06AF580}"/>
+              </a:ext>
+            </a:extLst>
+          </p:cNvPr>
+          <p:cNvPicPr>
+            <a:picLocks noChangeAspect="1"/>
+          </p:cNvPicPr>
+          <p:nvPr/>
+        </p:nvPicPr>
+        <p:blipFill>
+          <a:blip r:embed="rId2"/>
+          <a:stretch>
+            <a:fillRect/>
+          </a:stretch>
+        </p:blipFill>
+        <p:spPr>
+          <a:xfrm>
+            <a:off x="1619409" y="1173583"/>
+            <a:ext cx="5885304" cy="2796333"/>
+          </a:xfrm>
+          <a:prstGeom prst="rect">
+            <a:avLst/>
+          </a:prstGeom>
+        </p:spPr>
+      </p:pic>
     </p:spTree>
     <p:extLst>
       <p:ext uri="{BB962C8B-B14F-4D97-AF65-F5344CB8AC3E}">
-        <p14:creationId xmlns:p14="http://schemas.microsoft.com/office/powerpoint/2010/main" val="2463184557"/>
+        <p14:creationId xmlns:p14="http://schemas.microsoft.com/office/powerpoint/2010/main" val="1538529746"/>
       </p:ext>
     </p:extLst>
   </p:cSld>

--- a/2018/24 HoP/PowerShell.pptx
+++ b/2018/24 HoP/PowerShell.pptx
@@ -206,7 +206,7 @@
   <pc:docChgLst>
     <pc:chgData name="Rob Sewell" userId="c802df42025d5e1f" providerId="LiveId" clId="{0F4BF76D-F7F5-46E4-94E5-409F1B9EB435}"/>
     <pc:docChg chg="undo redo custSel addSld delSld modSld sldOrd modSection">
-      <pc:chgData name="Rob Sewell" userId="c802df42025d5e1f" providerId="LiveId" clId="{0F4BF76D-F7F5-46E4-94E5-409F1B9EB435}" dt="2018-06-12T11:05:04.191" v="1288" actId="1076"/>
+      <pc:chgData name="Rob Sewell" userId="c802df42025d5e1f" providerId="LiveId" clId="{0F4BF76D-F7F5-46E4-94E5-409F1B9EB435}" dt="2018-06-12T11:32:12.034" v="1304" actId="20577"/>
       <pc:docMkLst>
         <pc:docMk/>
       </pc:docMkLst>
@@ -726,13 +726,13 @@
         </pc:sldMkLst>
       </pc:sldChg>
       <pc:sldChg chg="addSp delSp modSp ord">
-        <pc:chgData name="Rob Sewell" userId="c802df42025d5e1f" providerId="LiveId" clId="{0F4BF76D-F7F5-46E4-94E5-409F1B9EB435}" dt="2018-06-11T12:47:51.710" v="542" actId="2696"/>
+        <pc:chgData name="Rob Sewell" userId="c802df42025d5e1f" providerId="LiveId" clId="{0F4BF76D-F7F5-46E4-94E5-409F1B9EB435}" dt="2018-06-12T11:32:12.034" v="1304" actId="20577"/>
         <pc:sldMkLst>
           <pc:docMk/>
           <pc:sldMk cId="3360030024" sldId="327"/>
         </pc:sldMkLst>
         <pc:spChg chg="mod">
-          <ac:chgData name="Rob Sewell" userId="c802df42025d5e1f" providerId="LiveId" clId="{0F4BF76D-F7F5-46E4-94E5-409F1B9EB435}" dt="2018-06-11T12:25:30.814" v="349" actId="20577"/>
+          <ac:chgData name="Rob Sewell" userId="c802df42025d5e1f" providerId="LiveId" clId="{0F4BF76D-F7F5-46E4-94E5-409F1B9EB435}" dt="2018-06-12T11:32:12.034" v="1304" actId="20577"/>
           <ac:spMkLst>
             <pc:docMk/>
             <pc:sldMk cId="3360030024" sldId="327"/>
@@ -32800,9 +32800,10 @@
           <a:lstStyle/>
           <a:p>
             <a:r>
-              <a:rPr lang="en-US" dirty="0"/>
-              <a:t>Writing PowerShell Code</a:t>
-            </a:r>
+              <a:rPr lang="en-US"/>
+              <a:t>PowerShell Code Editors</a:t>
+            </a:r>
+            <a:endParaRPr lang="en-US" dirty="0"/>
           </a:p>
         </p:txBody>
       </p:sp>
